--- a/RE_L2.pptx
+++ b/RE_L2.pptx
@@ -18136,7 +18136,31 @@
             </a:pPr>
             <a:r>
               <a:rPr b="1" lang="en-US" sz="3200"/>
-              <a:t>environment: {‘language’: c, ‘compiler’: gcc, ‘os’: linux}</a:t>
+              <a:t>environment: {</a:t>
+            </a:r>
+            <a:r>
+              <a:rPr lang="en-US" sz="3200"/>
+              <a:t>‘language’</a:t>
+            </a:r>
+            <a:r>
+              <a:rPr b="1" lang="en-US" sz="3200"/>
+              <a:t>: c, </a:t>
+            </a:r>
+            <a:r>
+              <a:rPr lang="en-US" sz="3200"/>
+              <a:t>‘compiler’</a:t>
+            </a:r>
+            <a:r>
+              <a:rPr b="1" lang="en-US" sz="3200"/>
+              <a:t>: gcc, </a:t>
+            </a:r>
+            <a:r>
+              <a:rPr lang="en-US" sz="3200"/>
+              <a:t>‘os’</a:t>
+            </a:r>
+            <a:r>
+              <a:rPr b="1" lang="en-US" sz="3200"/>
+              <a:t>: linux}</a:t>
             </a:r>
             <a:r>
               <a:rPr lang="en-US" sz="3200"/>
@@ -23873,7 +23897,7 @@
             <a:avLst/>
           </a:prstGeom>
           <a:solidFill>
-            <a:schemeClr val="lt2"/>
+            <a:srgbClr val="FFE599"/>
           </a:solidFill>
           <a:ln cap="flat" cmpd="sng" w="9525">
             <a:solidFill>
@@ -23923,7 +23947,7 @@
             <a:avLst/>
           </a:prstGeom>
           <a:solidFill>
-            <a:schemeClr val="lt2"/>
+            <a:srgbClr val="A4C2F4"/>
           </a:solidFill>
           <a:ln cap="flat" cmpd="sng" w="9525">
             <a:solidFill>
@@ -23973,7 +23997,7 @@
             <a:avLst/>
           </a:prstGeom>
           <a:solidFill>
-            <a:schemeClr val="lt2"/>
+            <a:srgbClr val="A4C2F4"/>
           </a:solidFill>
           <a:ln cap="flat" cmpd="sng" w="9525">
             <a:solidFill>
@@ -24023,7 +24047,7 @@
             <a:avLst/>
           </a:prstGeom>
           <a:solidFill>
-            <a:schemeClr val="lt2"/>
+            <a:srgbClr val="93C47D"/>
           </a:solidFill>
           <a:ln cap="flat" cmpd="sng" w="9525">
             <a:solidFill>
@@ -24073,7 +24097,7 @@
             <a:avLst/>
           </a:prstGeom>
           <a:solidFill>
-            <a:schemeClr val="lt2"/>
+            <a:srgbClr val="FFE599"/>
           </a:solidFill>
           <a:ln cap="flat" cmpd="sng" w="9525">
             <a:solidFill>
@@ -24123,7 +24147,7 @@
             <a:avLst/>
           </a:prstGeom>
           <a:solidFill>
-            <a:schemeClr val="lt2"/>
+            <a:srgbClr val="A4C2F4"/>
           </a:solidFill>
           <a:ln cap="flat" cmpd="sng" w="9525">
             <a:solidFill>
@@ -24177,7 +24201,7 @@
             <a:avLst/>
           </a:prstGeom>
           <a:solidFill>
-            <a:schemeClr val="lt2"/>
+            <a:srgbClr val="93C47D"/>
           </a:solidFill>
           <a:ln cap="flat" cmpd="sng" w="9525">
             <a:solidFill>
@@ -25824,7 +25848,7 @@
             <a:avLst/>
           </a:prstGeom>
           <a:solidFill>
-            <a:schemeClr val="lt2"/>
+            <a:srgbClr val="FFE599"/>
           </a:solidFill>
           <a:ln cap="flat" cmpd="sng" w="9525">
             <a:solidFill>
@@ -25918,7 +25942,7 @@
         <p:spPr>
           <a:xfrm>
             <a:off x="255500" y="3975650"/>
-            <a:ext cx="3322800" cy="2031900"/>
+            <a:ext cx="3322800" cy="2770500"/>
           </a:xfrm>
           <a:prstGeom prst="rect">
             <a:avLst/>
@@ -26064,7 +26088,63 @@
                 <a:cs typeface="Calibri"/>
                 <a:sym typeface="Calibri"/>
               </a:rPr>
-              <a:t>lib/obj</a:t>
+              <a:t>Relocatable obj</a:t>
+            </a:r>
+            <a:endParaRPr sz="2400">
+              <a:latin typeface="Calibri"/>
+              <a:ea typeface="Calibri"/>
+              <a:cs typeface="Calibri"/>
+              <a:sym typeface="Calibri"/>
+            </a:endParaRPr>
+          </a:p>
+          <a:p>
+            <a:pPr indent="-381000" lvl="1" marL="914400" rtl="0" algn="l">
+              <a:spcBef>
+                <a:spcPts val="0"/>
+              </a:spcBef>
+              <a:spcAft>
+                <a:spcPts val="0"/>
+              </a:spcAft>
+              <a:buSzPts val="2400"/>
+              <a:buFont typeface="Calibri"/>
+              <a:buChar char="○"/>
+            </a:pPr>
+            <a:r>
+              <a:rPr lang="en-US" sz="2400">
+                <a:latin typeface="Calibri"/>
+                <a:ea typeface="Calibri"/>
+                <a:cs typeface="Calibri"/>
+                <a:sym typeface="Calibri"/>
+              </a:rPr>
+              <a:t>Executable obj</a:t>
+            </a:r>
+            <a:endParaRPr sz="2400">
+              <a:latin typeface="Calibri"/>
+              <a:ea typeface="Calibri"/>
+              <a:cs typeface="Calibri"/>
+              <a:sym typeface="Calibri"/>
+            </a:endParaRPr>
+          </a:p>
+          <a:p>
+            <a:pPr indent="-381000" lvl="1" marL="914400" rtl="0" algn="l">
+              <a:spcBef>
+                <a:spcPts val="0"/>
+              </a:spcBef>
+              <a:spcAft>
+                <a:spcPts val="0"/>
+              </a:spcAft>
+              <a:buSzPts val="2400"/>
+              <a:buFont typeface="Calibri"/>
+              <a:buChar char="○"/>
+            </a:pPr>
+            <a:r>
+              <a:rPr lang="en-US" sz="2400">
+                <a:latin typeface="Calibri"/>
+                <a:ea typeface="Calibri"/>
+                <a:cs typeface="Calibri"/>
+                <a:sym typeface="Calibri"/>
+              </a:rPr>
+              <a:t>Shared obj</a:t>
             </a:r>
             <a:endParaRPr sz="2400">
               <a:latin typeface="Calibri"/>
@@ -26757,6 +26837,104 @@
                                           <p:spTgt spid="334">
                                             <p:txEl>
                                               <p:pRg end="4" st="4"/>
+                                            </p:txEl>
+                                          </p:spTgt>
+                                        </p:tgtEl>
+                                        <p:attrNameLst>
+                                          <p:attrName>style.visibility</p:attrName>
+                                        </p:attrNameLst>
+                                      </p:cBhvr>
+                                      <p:to>
+                                        <p:strVal val="visible"/>
+                                      </p:to>
+                                    </p:set>
+                                  </p:childTnLst>
+                                </p:cTn>
+                              </p:par>
+                            </p:childTnLst>
+                          </p:cTn>
+                        </p:par>
+                      </p:childTnLst>
+                    </p:cTn>
+                  </p:par>
+                  <p:par>
+                    <p:cTn fill="hold">
+                      <p:stCondLst>
+                        <p:cond delay="indefinite"/>
+                      </p:stCondLst>
+                      <p:childTnLst>
+                        <p:par>
+                          <p:cTn fill="hold">
+                            <p:stCondLst>
+                              <p:cond delay="0"/>
+                            </p:stCondLst>
+                            <p:childTnLst>
+                              <p:par>
+                                <p:cTn fill="hold" nodeType="clickEffect" presetClass="entr" presetID="1" presetSubtype="0">
+                                  <p:stCondLst>
+                                    <p:cond delay="0"/>
+                                  </p:stCondLst>
+                                  <p:childTnLst>
+                                    <p:set>
+                                      <p:cBhvr>
+                                        <p:cTn dur="1" fill="hold">
+                                          <p:stCondLst>
+                                            <p:cond delay="0"/>
+                                          </p:stCondLst>
+                                        </p:cTn>
+                                        <p:tgtEl>
+                                          <p:spTgt spid="334">
+                                            <p:txEl>
+                                              <p:pRg end="5" st="5"/>
+                                            </p:txEl>
+                                          </p:spTgt>
+                                        </p:tgtEl>
+                                        <p:attrNameLst>
+                                          <p:attrName>style.visibility</p:attrName>
+                                        </p:attrNameLst>
+                                      </p:cBhvr>
+                                      <p:to>
+                                        <p:strVal val="visible"/>
+                                      </p:to>
+                                    </p:set>
+                                  </p:childTnLst>
+                                </p:cTn>
+                              </p:par>
+                            </p:childTnLst>
+                          </p:cTn>
+                        </p:par>
+                      </p:childTnLst>
+                    </p:cTn>
+                  </p:par>
+                  <p:par>
+                    <p:cTn fill="hold">
+                      <p:stCondLst>
+                        <p:cond delay="indefinite"/>
+                      </p:stCondLst>
+                      <p:childTnLst>
+                        <p:par>
+                          <p:cTn fill="hold">
+                            <p:stCondLst>
+                              <p:cond delay="0"/>
+                            </p:stCondLst>
+                            <p:childTnLst>
+                              <p:par>
+                                <p:cTn fill="hold" nodeType="clickEffect" presetClass="entr" presetID="1" presetSubtype="0">
+                                  <p:stCondLst>
+                                    <p:cond delay="0"/>
+                                  </p:stCondLst>
+                                  <p:childTnLst>
+                                    <p:set>
+                                      <p:cBhvr>
+                                        <p:cTn dur="1" fill="hold">
+                                          <p:stCondLst>
+                                            <p:cond delay="0"/>
+                                          </p:stCondLst>
+                                        </p:cTn>
+                                        <p:tgtEl>
+                                          <p:spTgt spid="334">
+                                            <p:txEl>
+                                              <p:pRg end="6" st="6"/>
                                             </p:txEl>
                                           </p:spTgt>
                                         </p:tgtEl>
